--- a/Presentationml _Final.pptx
+++ b/Presentationml _Final.pptx
@@ -7589,7 +7589,7 @@
           <p:nvPr/>
         </p:nvPicPr>
         <p:blipFill>
-          <a:blip r:embed="rId2">
+          <a:blip r:embed="rId3">
             <a:extLst>
               <a:ext uri="{28A0092B-C50C-407E-A947-70E740481C1C}">
                 <a14:useLocalDpi xmlns:a14="http://schemas.microsoft.com/office/drawing/2010/main" val="0"/>
@@ -7833,6 +7833,70 @@
           </a:p>
         </p:txBody>
       </p:sp>
+      <p:pic>
+        <p:nvPicPr>
+          <p:cNvPr id="7" name="Picture 4">
+            <a:extLst>
+              <a:ext uri="{FF2B5EF4-FFF2-40B4-BE49-F238E27FC236}">
+                <a16:creationId xmlns:a16="http://schemas.microsoft.com/office/drawing/2014/main" id="{A8F7C1AA-5AD8-4232-9E57-181B9126E526}"/>
+              </a:ext>
+            </a:extLst>
+          </p:cNvPr>
+          <p:cNvPicPr>
+            <a:picLocks noChangeAspect="1"/>
+          </p:cNvPicPr>
+          <p:nvPr>
+            <p:custDataLst>
+              <p:tags r:id="rId1"/>
+            </p:custDataLst>
+          </p:nvPr>
+        </p:nvPicPr>
+        <p:blipFill>
+          <a:blip r:embed="rId4">
+            <a:extLst>
+              <a:ext uri="{28A0092B-C50C-407E-A947-70E740481C1C}">
+                <a14:useLocalDpi xmlns:a14="http://schemas.microsoft.com/office/drawing/2010/main" val="0"/>
+              </a:ext>
+            </a:extLst>
+          </a:blip>
+          <a:srcRect/>
+          <a:stretch>
+            <a:fillRect/>
+          </a:stretch>
+        </p:blipFill>
+        <p:spPr bwMode="auto">
+          <a:xfrm>
+            <a:off x="4959276" y="4445697"/>
+            <a:ext cx="6927924" cy="657535"/>
+          </a:xfrm>
+          <a:prstGeom prst="rect">
+            <a:avLst/>
+          </a:prstGeom>
+          <a:noFill/>
+          <a:ln>
+            <a:noFill/>
+          </a:ln>
+          <a:extLst>
+            <a:ext uri="{909E8E84-426E-40DD-AFC4-6F175D3DCCD1}">
+              <a14:hiddenFill xmlns:a14="http://schemas.microsoft.com/office/drawing/2010/main">
+                <a:solidFill>
+                  <a:srgbClr val="FFFFFF"/>
+                </a:solidFill>
+              </a14:hiddenFill>
+            </a:ext>
+            <a:ext uri="{91240B29-F687-4F45-9708-019B960494DF}">
+              <a14:hiddenLine xmlns:a14="http://schemas.microsoft.com/office/drawing/2010/main" w="9525">
+                <a:solidFill>
+                  <a:srgbClr val="000000"/>
+                </a:solidFill>
+                <a:miter lim="800000"/>
+                <a:headEnd/>
+                <a:tailEnd/>
+              </a14:hiddenLine>
+            </a:ext>
+          </a:extLst>
+        </p:spPr>
+      </p:pic>
     </p:spTree>
     <p:extLst>
       <p:ext uri="{BB962C8B-B14F-4D97-AF65-F5344CB8AC3E}">
@@ -8860,6 +8924,13 @@
     <a:masterClrMapping/>
   </p:clrMapOvr>
 </p:sld>
+</file>
+
+<file path=ppt/tags/tag1.xml><?xml version="1.0" encoding="utf-8"?>
+<p:tagLst xmlns:a="http://schemas.openxmlformats.org/drawingml/2006/main" xmlns:r="http://schemas.openxmlformats.org/officeDocument/2006/relationships" xmlns:p="http://schemas.openxmlformats.org/presentationml/2006/main">
+  <p:tag name="LATEXADDIN" val="\documentclass{article}&#10;\usepackage{amsmath}&#10;\usepackage{amssymb}&#10;\usepackage{color}&#10;\pagestyle{empty}&#10;\begin{document}&#10;&#10;$\displaystyle&#10;J(\theta) = -\frac{1}{m} \left[ \sum^m_{i=1} y^{(i)} \log h_\theta (x^{(i)}) + (1 - y^{(i)}) \log(1-h_\theta(x^{(i)})) \right] + \frac{\lambda}{2m} \sum^n_{j=1} \theta_j^2&#10;$&#10;&#10;\end{document}"/>
+  <p:tag name="IGUANATEXSIZE" val="18"/>
+</p:tagLst>
 </file>
 
 <file path=ppt/theme/theme1.xml><?xml version="1.0" encoding="utf-8"?>
